--- a/reports/MutationTestingSurvey/images/dataProcess.pptx
+++ b/reports/MutationTestingSurvey/images/dataProcess.pptx
@@ -2955,6 +2955,166 @@
           <a:chExt cx="0" cy="0"/>
         </a:xfrm>
       </p:grpSpPr>
+      <p:sp>
+        <p:nvSpPr>
+          <p:cNvPr id="41" name="Right Triangle 40">
+            <a:extLst>
+              <a:ext uri="{FF2B5EF4-FFF2-40B4-BE49-F238E27FC236}">
+                <a16:creationId xmlns:a16="http://schemas.microsoft.com/office/drawing/2014/main" id="{E1086CE2-4D16-954D-B132-8CC58DED5553}"/>
+              </a:ext>
+            </a:extLst>
+          </p:cNvPr>
+          <p:cNvSpPr/>
+          <p:nvPr/>
+        </p:nvSpPr>
+        <p:spPr>
+          <a:xfrm>
+            <a:off x="5156200" y="9118600"/>
+            <a:ext cx="736600" cy="431800"/>
+          </a:xfrm>
+          <a:prstGeom prst="rtTriangle">
+            <a:avLst/>
+          </a:prstGeom>
+          <a:solidFill>
+            <a:srgbClr val="808785"/>
+          </a:solidFill>
+          <a:ln w="12700" cap="flat">
+            <a:noFill/>
+            <a:miter lim="400000"/>
+          </a:ln>
+          <a:effectLst/>
+        </p:spPr>
+        <p:style>
+          <a:lnRef idx="0">
+            <a:scrgbClr r="0" g="0" b="0"/>
+          </a:lnRef>
+          <a:fillRef idx="0">
+            <a:scrgbClr r="0" g="0" b="0"/>
+          </a:fillRef>
+          <a:effectRef idx="0">
+            <a:scrgbClr r="0" g="0" b="0"/>
+          </a:effectRef>
+          <a:fontRef idx="none"/>
+        </p:style>
+        <p:txBody>
+          <a:bodyPr rot="0" spcFirstLastPara="1" vertOverflow="overflow" horzOverflow="overflow" vert="horz" wrap="square" lIns="50800" tIns="50800" rIns="50800" bIns="50800" numCol="1" spcCol="38100" rtlCol="0" anchor="ctr">
+            <a:spAutoFit/>
+          </a:bodyPr>
+          <a:lstStyle/>
+          <a:p>
+            <a:pPr marL="0" marR="0" indent="0" algn="ctr" defTabSz="584200" rtl="0" fontAlgn="auto" latinLnBrk="1" hangingPunct="0">
+              <a:lnSpc>
+                <a:spcPct val="100000"/>
+              </a:lnSpc>
+              <a:spcBef>
+                <a:spcPts val="0"/>
+              </a:spcBef>
+              <a:spcAft>
+                <a:spcPts val="0"/>
+              </a:spcAft>
+              <a:buClrTx/>
+              <a:buSzTx/>
+              <a:buFontTx/>
+              <a:buNone/>
+              <a:tabLst/>
+            </a:pPr>
+            <a:endParaRPr kumimoji="0" lang="en-US" sz="3600" b="0" i="0" u="none" strike="noStrike" cap="none" spc="0" normalizeH="0" baseline="0">
+              <a:ln>
+                <a:noFill/>
+              </a:ln>
+              <a:solidFill>
+                <a:srgbClr val="5F7579"/>
+              </a:solidFill>
+              <a:effectLst/>
+              <a:uFillTx/>
+              <a:latin typeface="+mn-lt"/>
+              <a:ea typeface="+mn-ea"/>
+              <a:cs typeface="+mn-cs"/>
+              <a:sym typeface="Helvetica Neue Bold Condensed"/>
+            </a:endParaRPr>
+          </a:p>
+        </p:txBody>
+      </p:sp>
+      <p:sp>
+        <p:nvSpPr>
+          <p:cNvPr id="23" name="Right Triangle 22">
+            <a:extLst>
+              <a:ext uri="{FF2B5EF4-FFF2-40B4-BE49-F238E27FC236}">
+                <a16:creationId xmlns:a16="http://schemas.microsoft.com/office/drawing/2014/main" id="{07ABBBAE-301C-0D4F-9610-77020C40775B}"/>
+              </a:ext>
+            </a:extLst>
+          </p:cNvPr>
+          <p:cNvSpPr/>
+          <p:nvPr/>
+        </p:nvSpPr>
+        <p:spPr>
+          <a:xfrm>
+            <a:off x="11074400" y="6578600"/>
+            <a:ext cx="1473200" cy="482600"/>
+          </a:xfrm>
+          <a:prstGeom prst="rtTriangle">
+            <a:avLst/>
+          </a:prstGeom>
+          <a:solidFill>
+            <a:srgbClr val="808785"/>
+          </a:solidFill>
+          <a:ln w="12700" cap="flat">
+            <a:noFill/>
+            <a:miter lim="400000"/>
+          </a:ln>
+          <a:effectLst/>
+        </p:spPr>
+        <p:style>
+          <a:lnRef idx="0">
+            <a:scrgbClr r="0" g="0" b="0"/>
+          </a:lnRef>
+          <a:fillRef idx="0">
+            <a:scrgbClr r="0" g="0" b="0"/>
+          </a:fillRef>
+          <a:effectRef idx="0">
+            <a:scrgbClr r="0" g="0" b="0"/>
+          </a:effectRef>
+          <a:fontRef idx="none"/>
+        </p:style>
+        <p:txBody>
+          <a:bodyPr rot="0" spcFirstLastPara="1" vertOverflow="overflow" horzOverflow="overflow" vert="horz" wrap="square" lIns="50800" tIns="50800" rIns="50800" bIns="50800" numCol="1" spcCol="38100" rtlCol="0" anchor="ctr">
+            <a:spAutoFit/>
+          </a:bodyPr>
+          <a:lstStyle/>
+          <a:p>
+            <a:pPr marL="0" marR="0" indent="0" algn="ctr" defTabSz="584200" rtl="0" fontAlgn="auto" latinLnBrk="1" hangingPunct="0">
+              <a:lnSpc>
+                <a:spcPct val="100000"/>
+              </a:lnSpc>
+              <a:spcBef>
+                <a:spcPts val="0"/>
+              </a:spcBef>
+              <a:spcAft>
+                <a:spcPts val="0"/>
+              </a:spcAft>
+              <a:buClrTx/>
+              <a:buSzTx/>
+              <a:buFontTx/>
+              <a:buNone/>
+              <a:tabLst/>
+            </a:pPr>
+            <a:endParaRPr kumimoji="0" lang="en-US" sz="3600" b="0" i="0" u="none" strike="noStrike" cap="none" spc="0" normalizeH="0" baseline="0">
+              <a:ln>
+                <a:noFill/>
+              </a:ln>
+              <a:solidFill>
+                <a:srgbClr val="5F7579"/>
+              </a:solidFill>
+              <a:effectLst/>
+              <a:uFillTx/>
+              <a:latin typeface="+mn-lt"/>
+              <a:ea typeface="+mn-ea"/>
+              <a:cs typeface="+mn-cs"/>
+              <a:sym typeface="Helvetica Neue Bold Condensed"/>
+            </a:endParaRPr>
+          </a:p>
+        </p:txBody>
+      </p:sp>
       <p:grpSp>
         <p:nvGrpSpPr>
           <p:cNvPr id="83" name="Group 82">
@@ -2969,10 +3129,10 @@
         </p:nvGrpSpPr>
         <p:grpSpPr>
           <a:xfrm>
-            <a:off x="5570353" y="4306609"/>
-            <a:ext cx="1271589" cy="1023002"/>
-            <a:chOff x="5570353" y="4078003"/>
-            <a:chExt cx="1271589" cy="1023002"/>
+            <a:off x="5520732" y="4306609"/>
+            <a:ext cx="1271589" cy="1636309"/>
+            <a:chOff x="5520732" y="4078003"/>
+            <a:chExt cx="1271589" cy="1636309"/>
           </a:xfrm>
         </p:grpSpPr>
         <p:sp>
@@ -2989,7 +3149,7 @@
           </p:nvSpPr>
           <p:spPr>
             <a:xfrm>
-              <a:off x="5570353" y="4562055"/>
+              <a:off x="5520732" y="5175362"/>
               <a:ext cx="1271589" cy="538950"/>
             </a:xfrm>
             <a:prstGeom prst="flowChartProcess">
@@ -3072,8 +3232,8 @@
           </p:nvCxnSpPr>
           <p:spPr>
             <a:xfrm flipH="1">
-              <a:off x="6206148" y="4078003"/>
-              <a:ext cx="3285" cy="484052"/>
+              <a:off x="6156527" y="4078003"/>
+              <a:ext cx="52906" cy="1097359"/>
             </a:xfrm>
             <a:prstGeom prst="straightConnector1">
               <a:avLst/>
@@ -3178,8 +3338,8 @@
         </p:nvSpPr>
         <p:spPr>
           <a:xfrm>
-            <a:off x="3659045" y="9231089"/>
-            <a:ext cx="2548715" cy="446148"/>
+            <a:off x="3278045" y="9004437"/>
+            <a:ext cx="1751155" cy="799963"/>
           </a:xfrm>
           <a:prstGeom prst="rect">
             <a:avLst/>
@@ -3191,13 +3351,23 @@
           </a:bodyPr>
           <a:lstStyle/>
           <a:p>
-            <a:pPr algn="ctr"/>
+            <a:pPr algn="l"/>
             <a:r>
               <a:rPr lang="en-US" sz="2299" dirty="0">
                 <a:latin typeface="Calibri" panose="020F0502020204030204" pitchFamily="34" charset="0"/>
                 <a:cs typeface="Calibri" panose="020F0502020204030204" pitchFamily="34" charset="0"/>
               </a:rPr>
-              <a:t>Automated task</a:t>
+              <a:t>Automated </a:t>
+            </a:r>
+          </a:p>
+          <a:p>
+            <a:pPr algn="l"/>
+            <a:r>
+              <a:rPr lang="en-US" sz="2299" dirty="0">
+                <a:latin typeface="Calibri" panose="020F0502020204030204" pitchFamily="34" charset="0"/>
+                <a:cs typeface="Calibri" panose="020F0502020204030204" pitchFamily="34" charset="0"/>
+              </a:rPr>
+              <a:t>task</a:t>
             </a:r>
           </a:p>
         </p:txBody>
@@ -3216,10 +3386,10 @@
         </p:nvGrpSpPr>
         <p:grpSpPr>
           <a:xfrm>
-            <a:off x="1839859" y="2586751"/>
-            <a:ext cx="7886032" cy="6148546"/>
-            <a:chOff x="1839859" y="2358145"/>
-            <a:chExt cx="7886032" cy="6148546"/>
+            <a:off x="965200" y="2586751"/>
+            <a:ext cx="8760691" cy="6148546"/>
+            <a:chOff x="965200" y="2358145"/>
+            <a:chExt cx="8760691" cy="6148546"/>
           </a:xfrm>
         </p:grpSpPr>
         <p:sp>
@@ -3236,8 +3406,8 @@
           </p:nvSpPr>
           <p:spPr>
             <a:xfrm>
-              <a:off x="1839859" y="2358145"/>
-              <a:ext cx="7886032" cy="6148546"/>
+              <a:off x="965200" y="2358145"/>
+              <a:ext cx="8760691" cy="6148546"/>
             </a:xfrm>
             <a:prstGeom prst="rect">
               <a:avLst/>
@@ -3351,8 +3521,8 @@
         </p:nvSpPr>
         <p:spPr>
           <a:xfrm>
-            <a:off x="602026" y="9176984"/>
-            <a:ext cx="2548715" cy="446148"/>
+            <a:off x="1084627" y="8953637"/>
+            <a:ext cx="1125174" cy="799963"/>
           </a:xfrm>
           <a:prstGeom prst="rect">
             <a:avLst/>
@@ -3364,13 +3534,23 @@
           </a:bodyPr>
           <a:lstStyle/>
           <a:p>
-            <a:pPr algn="ctr"/>
+            <a:pPr algn="l"/>
             <a:r>
               <a:rPr lang="en-US" sz="2299" dirty="0">
                 <a:latin typeface="Calibri" panose="020F0502020204030204" pitchFamily="34" charset="0"/>
                 <a:cs typeface="Calibri" panose="020F0502020204030204" pitchFamily="34" charset="0"/>
               </a:rPr>
-              <a:t>Manual task</a:t>
+              <a:t>Manual </a:t>
+            </a:r>
+          </a:p>
+          <a:p>
+            <a:pPr algn="l"/>
+            <a:r>
+              <a:rPr lang="en-US" sz="2299" dirty="0">
+                <a:latin typeface="Calibri" panose="020F0502020204030204" pitchFamily="34" charset="0"/>
+                <a:cs typeface="Calibri" panose="020F0502020204030204" pitchFamily="34" charset="0"/>
+              </a:rPr>
+              <a:t>task</a:t>
             </a:r>
           </a:p>
         </p:txBody>
@@ -3389,7 +3569,7 @@
         </p:nvSpPr>
         <p:spPr>
           <a:xfrm>
-            <a:off x="2976007" y="9234202"/>
+            <a:off x="2391807" y="9132602"/>
             <a:ext cx="784488" cy="442444"/>
           </a:xfrm>
           <a:prstGeom prst="flowChartProcess">
@@ -3452,7 +3632,7 @@
         </p:nvSpPr>
         <p:spPr>
           <a:xfrm>
-            <a:off x="203048" y="9220676"/>
+            <a:off x="203048" y="9119076"/>
             <a:ext cx="784488" cy="442444"/>
           </a:xfrm>
           <a:prstGeom prst="flowChartProcess">
@@ -3519,7 +3699,7 @@
         </p:nvSpPr>
         <p:spPr>
           <a:xfrm>
-            <a:off x="6256388" y="9290651"/>
+            <a:off x="8237588" y="9225734"/>
             <a:ext cx="1098281" cy="374203"/>
           </a:xfrm>
           <a:prstGeom prst="flowChartInputOutput">
@@ -3582,7 +3762,7 @@
         </p:nvSpPr>
         <p:spPr>
           <a:xfrm>
-            <a:off x="7199109" y="8987520"/>
+            <a:off x="9180309" y="8922603"/>
             <a:ext cx="1210636" cy="830997"/>
           </a:xfrm>
           <a:prstGeom prst="rect">
@@ -3596,7 +3776,7 @@
           <a:lstStyle/>
           <a:p>
             <a:r>
-              <a:rPr lang="en-US" sz="2400" dirty="0">
+              <a:rPr lang="en-US" sz="2300" dirty="0">
                 <a:solidFill>
                   <a:schemeClr val="tx1"/>
                 </a:solidFill>
@@ -4252,10 +4432,10 @@
         </p:nvGrpSpPr>
         <p:grpSpPr>
           <a:xfrm>
-            <a:off x="1707938" y="3226771"/>
-            <a:ext cx="5774907" cy="3201336"/>
-            <a:chOff x="1707938" y="2998165"/>
-            <a:chExt cx="5774907" cy="3201336"/>
+            <a:off x="1476207" y="3226771"/>
+            <a:ext cx="6006638" cy="3887136"/>
+            <a:chOff x="1476207" y="2998165"/>
+            <a:chExt cx="6006638" cy="3887136"/>
           </a:xfrm>
         </p:grpSpPr>
         <p:sp>
@@ -4440,7 +4620,7 @@
           </p:nvSpPr>
           <p:spPr>
             <a:xfrm>
-              <a:off x="1933407" y="5366816"/>
+              <a:off x="1476207" y="6052616"/>
               <a:ext cx="1903097" cy="815323"/>
             </a:xfrm>
             <a:prstGeom prst="flowChartInputOutput">
@@ -4519,7 +4699,7 @@
           </p:nvSpPr>
           <p:spPr>
             <a:xfrm>
-              <a:off x="3732898" y="5390318"/>
+              <a:off x="3275698" y="6076118"/>
               <a:ext cx="1755259" cy="809183"/>
             </a:xfrm>
             <a:prstGeom prst="flowChartInputOutput">
@@ -4681,8 +4861,8 @@
           </p:nvCxnSpPr>
           <p:spPr>
             <a:xfrm flipV="1">
-              <a:off x="2884956" y="4605652"/>
-              <a:ext cx="17083" cy="761164"/>
+              <a:off x="2427756" y="4605652"/>
+              <a:ext cx="474283" cy="1446964"/>
             </a:xfrm>
             <a:prstGeom prst="straightConnector1">
               <a:avLst/>
@@ -4728,7 +4908,7 @@
           <p:spPr>
             <a:xfrm flipH="1" flipV="1">
               <a:off x="2902039" y="4605652"/>
-              <a:ext cx="1708489" cy="784666"/>
+              <a:ext cx="1251289" cy="1470466"/>
             </a:xfrm>
             <a:prstGeom prst="straightConnector1">
               <a:avLst/>
@@ -4961,7 +5141,7 @@
             <a:p>
               <a:pPr algn="ctr"/>
               <a:r>
-                <a:rPr lang="en-US" sz="1642">
+                <a:rPr lang="en-US" sz="1642" dirty="0">
                   <a:solidFill>
                     <a:schemeClr val="tx1"/>
                   </a:solidFill>
@@ -4970,13 +5150,6 @@
                 </a:rPr>
                 <a:t>Identify</a:t>
               </a:r>
-              <a:endParaRPr lang="en-US" sz="1642" dirty="0">
-                <a:solidFill>
-                  <a:schemeClr val="tx1"/>
-                </a:solidFill>
-                <a:latin typeface="Calibri" panose="020F0502020204030204" pitchFamily="34" charset="0"/>
-                <a:cs typeface="Calibri" panose="020F0502020204030204" pitchFamily="34" charset="0"/>
-              </a:endParaRPr>
             </a:p>
             <a:p>
               <a:pPr algn="ctr"/>
@@ -5255,10 +5428,10 @@
         </p:nvGrpSpPr>
         <p:grpSpPr>
           <a:xfrm>
-            <a:off x="4895596" y="5329611"/>
-            <a:ext cx="3910474" cy="2926547"/>
-            <a:chOff x="4895596" y="5329611"/>
-            <a:chExt cx="3910474" cy="2926547"/>
+            <a:off x="4895596" y="5942918"/>
+            <a:ext cx="3910474" cy="2313240"/>
+            <a:chOff x="4895596" y="5942918"/>
+            <a:chExt cx="3910474" cy="2313240"/>
           </a:xfrm>
         </p:grpSpPr>
         <p:sp>
@@ -5526,7 +5699,7 @@
                   <a:latin typeface="Calibri" panose="020F0502020204030204" pitchFamily="34" charset="0"/>
                   <a:cs typeface="Calibri" panose="020F0502020204030204" pitchFamily="34" charset="0"/>
                 </a:rPr>
-                <a:t>% Expected</a:t>
+                <a:t>% </a:t>
               </a:r>
             </a:p>
             <a:p>
@@ -5539,7 +5712,20 @@
                   <a:latin typeface="Calibri" panose="020F0502020204030204" pitchFamily="34" charset="0"/>
                   <a:cs typeface="Calibri" panose="020F0502020204030204" pitchFamily="34" charset="0"/>
                 </a:rPr>
-                <a:t>Failures Observed</a:t>
+                <a:t>Mutants</a:t>
+              </a:r>
+            </a:p>
+            <a:p>
+              <a:pPr algn="ctr"/>
+              <a:r>
+                <a:rPr lang="en-US" sz="1642" dirty="0">
+                  <a:solidFill>
+                    <a:schemeClr val="tx1"/>
+                  </a:solidFill>
+                  <a:latin typeface="Calibri" panose="020F0502020204030204" pitchFamily="34" charset="0"/>
+                  <a:cs typeface="Calibri" panose="020F0502020204030204" pitchFamily="34" charset="0"/>
+                </a:rPr>
+                <a:t>Killed</a:t>
               </a:r>
             </a:p>
           </p:txBody>
@@ -5561,9 +5747,9 @@
             <p:nvPr/>
           </p:nvCxnSpPr>
           <p:spPr>
-            <a:xfrm flipH="1">
-              <a:off x="6156527" y="5329611"/>
-              <a:ext cx="49621" cy="951920"/>
+            <a:xfrm>
+              <a:off x="6156527" y="5942918"/>
+              <a:ext cx="0" cy="338613"/>
             </a:xfrm>
             <a:prstGeom prst="straightConnector1">
               <a:avLst/>
@@ -5608,8 +5794,8 @@
           </p:nvCxnSpPr>
           <p:spPr>
             <a:xfrm>
-              <a:off x="6206148" y="5329611"/>
-              <a:ext cx="1533994" cy="997097"/>
+              <a:off x="6156527" y="5942918"/>
+              <a:ext cx="1583615" cy="383790"/>
             </a:xfrm>
             <a:prstGeom prst="straightConnector1">
               <a:avLst/>
@@ -5980,8 +6166,8 @@
           </p:nvCxnSpPr>
           <p:spPr>
             <a:xfrm flipV="1">
-              <a:off x="6841942" y="4540164"/>
-              <a:ext cx="657520" cy="291366"/>
+              <a:off x="6792321" y="4540164"/>
+              <a:ext cx="707141" cy="904673"/>
             </a:xfrm>
             <a:prstGeom prst="straightConnector1">
               <a:avLst/>
@@ -6105,8 +6291,8 @@
           </p:nvCxnSpPr>
           <p:spPr>
             <a:xfrm>
-              <a:off x="6841942" y="4831530"/>
-              <a:ext cx="704090" cy="613307"/>
+              <a:off x="6792321" y="5444837"/>
+              <a:ext cx="753711" cy="0"/>
             </a:xfrm>
             <a:prstGeom prst="straightConnector1">
               <a:avLst/>
@@ -6390,8 +6576,8 @@
         </p:nvCxnSpPr>
         <p:spPr>
           <a:xfrm flipV="1">
-            <a:off x="4610528" y="5060136"/>
-            <a:ext cx="959825" cy="558788"/>
+            <a:off x="4153328" y="5673443"/>
+            <a:ext cx="1367404" cy="631281"/>
           </a:xfrm>
           <a:prstGeom prst="straightConnector1">
             <a:avLst/>
@@ -6432,7 +6618,7 @@
         </p:nvSpPr>
         <p:spPr>
           <a:xfrm>
-            <a:off x="1982104" y="7566646"/>
+            <a:off x="1016904" y="7566646"/>
             <a:ext cx="1568585" cy="1154162"/>
           </a:xfrm>
           <a:prstGeom prst="rect">
@@ -6575,7 +6761,11 @@
           <a:prstGeom prst="flowChartProcess">
             <a:avLst/>
           </a:prstGeom>
-          <a:noFill/>
+          <a:solidFill>
+            <a:schemeClr val="bg2">
+              <a:lumMod val="90000"/>
+            </a:schemeClr>
+          </a:solidFill>
           <a:ln w="38100">
             <a:solidFill>
               <a:schemeClr val="tx1"/>
@@ -6866,7 +7056,11 @@
           <a:prstGeom prst="flowChartProcess">
             <a:avLst/>
           </a:prstGeom>
-          <a:noFill/>
+          <a:solidFill>
+            <a:schemeClr val="bg2">
+              <a:lumMod val="90000"/>
+            </a:schemeClr>
+          </a:solidFill>
           <a:ln w="38100">
             <a:solidFill>
               <a:schemeClr val="tx1"/>
@@ -7251,14 +7445,15 @@
           </p:cNvPr>
           <p:cNvCxnSpPr>
             <a:cxnSpLocks/>
+            <a:stCxn id="153" idx="1"/>
             <a:endCxn id="84" idx="1"/>
           </p:cNvCxnSpPr>
           <p:nvPr/>
         </p:nvCxnSpPr>
         <p:spPr>
           <a:xfrm flipV="1">
-            <a:off x="2763078" y="5060136"/>
-            <a:ext cx="2807275" cy="545534"/>
+            <a:off x="2427756" y="5673443"/>
+            <a:ext cx="3092976" cy="607779"/>
           </a:xfrm>
           <a:prstGeom prst="straightConnector1">
             <a:avLst/>
@@ -7296,14 +7491,240 @@
           </p:cNvPr>
           <p:cNvCxnSpPr>
             <a:cxnSpLocks/>
+            <a:stCxn id="211" idx="5"/>
             <a:endCxn id="84" idx="1"/>
           </p:cNvCxnSpPr>
           <p:nvPr/>
         </p:nvCxnSpPr>
         <p:spPr>
           <a:xfrm>
-            <a:off x="3578087" y="4671391"/>
-            <a:ext cx="1992266" cy="388745"/>
+            <a:off x="5325062" y="5055554"/>
+            <a:ext cx="195670" cy="617889"/>
+          </a:xfrm>
+          <a:prstGeom prst="straightConnector1">
+            <a:avLst/>
+          </a:prstGeom>
+          <a:ln w="38100">
+            <a:solidFill>
+              <a:schemeClr val="tx1"/>
+            </a:solidFill>
+            <a:tailEnd type="triangle"/>
+          </a:ln>
+        </p:spPr>
+        <p:style>
+          <a:lnRef idx="1">
+            <a:schemeClr val="accent1"/>
+          </a:lnRef>
+          <a:fillRef idx="0">
+            <a:schemeClr val="accent1"/>
+          </a:fillRef>
+          <a:effectRef idx="0">
+            <a:schemeClr val="accent1"/>
+          </a:effectRef>
+          <a:fontRef idx="minor">
+            <a:schemeClr val="tx1"/>
+          </a:fontRef>
+        </p:style>
+      </p:cxnSp>
+      <p:sp>
+        <p:nvSpPr>
+          <p:cNvPr id="209" name="Rectangle 208">
+            <a:extLst>
+              <a:ext uri="{FF2B5EF4-FFF2-40B4-BE49-F238E27FC236}">
+                <a16:creationId xmlns:a16="http://schemas.microsoft.com/office/drawing/2014/main" id="{81154973-C2D7-0D43-9FFE-32CDE2F033B2}"/>
+              </a:ext>
+            </a:extLst>
+          </p:cNvPr>
+          <p:cNvSpPr/>
+          <p:nvPr/>
+        </p:nvSpPr>
+        <p:spPr>
+          <a:xfrm>
+            <a:off x="5995845" y="8953637"/>
+            <a:ext cx="2548715" cy="799963"/>
+          </a:xfrm>
+          <a:prstGeom prst="rect">
+            <a:avLst/>
+          </a:prstGeom>
+        </p:spPr>
+        <p:txBody>
+          <a:bodyPr wrap="square">
+            <a:spAutoFit/>
+          </a:bodyPr>
+          <a:lstStyle/>
+          <a:p>
+            <a:pPr algn="l"/>
+            <a:r>
+              <a:rPr lang="en-US" sz="2299" dirty="0">
+                <a:latin typeface="Calibri" panose="020F0502020204030204" pitchFamily="34" charset="0"/>
+                <a:cs typeface="Calibri" panose="020F0502020204030204" pitchFamily="34" charset="0"/>
+              </a:rPr>
+              <a:t>Semi-automated task</a:t>
+            </a:r>
+          </a:p>
+        </p:txBody>
+      </p:sp>
+      <p:sp>
+        <p:nvSpPr>
+          <p:cNvPr id="210" name="Process 209">
+            <a:extLst>
+              <a:ext uri="{FF2B5EF4-FFF2-40B4-BE49-F238E27FC236}">
+                <a16:creationId xmlns:a16="http://schemas.microsoft.com/office/drawing/2014/main" id="{EB4AB764-9EF4-5C4A-84C5-7B156EA8FFEC}"/>
+              </a:ext>
+            </a:extLst>
+          </p:cNvPr>
+          <p:cNvSpPr/>
+          <p:nvPr/>
+        </p:nvSpPr>
+        <p:spPr>
+          <a:xfrm>
+            <a:off x="5135007" y="9133356"/>
+            <a:ext cx="784488" cy="442444"/>
+          </a:xfrm>
+          <a:prstGeom prst="flowChartProcess">
+            <a:avLst/>
+          </a:prstGeom>
+          <a:noFill/>
+          <a:ln w="38100">
+            <a:solidFill>
+              <a:schemeClr val="tx1"/>
+            </a:solidFill>
+          </a:ln>
+        </p:spPr>
+        <p:style>
+          <a:lnRef idx="2">
+            <a:schemeClr val="accent1">
+              <a:shade val="50000"/>
+            </a:schemeClr>
+          </a:lnRef>
+          <a:fillRef idx="1">
+            <a:schemeClr val="accent1"/>
+          </a:fillRef>
+          <a:effectRef idx="0">
+            <a:schemeClr val="accent1"/>
+          </a:effectRef>
+          <a:fontRef idx="minor">
+            <a:schemeClr val="lt1"/>
+          </a:fontRef>
+        </p:style>
+        <p:txBody>
+          <a:bodyPr rot="0" spcFirstLastPara="0" vertOverflow="overflow" horzOverflow="overflow" vert="horz" wrap="square" lIns="150146" tIns="75073" rIns="150146" bIns="75073" numCol="1" spcCol="0" rtlCol="0" fromWordArt="0" anchor="ctr" anchorCtr="0" forceAA="0" compatLnSpc="1">
+            <a:prstTxWarp prst="textNoShape">
+              <a:avLst/>
+            </a:prstTxWarp>
+            <a:noAutofit/>
+          </a:bodyPr>
+          <a:lstStyle/>
+          <a:p>
+            <a:pPr algn="ctr"/>
+            <a:endParaRPr lang="en-US" sz="1642" dirty="0">
+              <a:solidFill>
+                <a:schemeClr val="tx1"/>
+              </a:solidFill>
+              <a:latin typeface="Calibri" panose="020F0502020204030204" pitchFamily="34" charset="0"/>
+              <a:cs typeface="Calibri" panose="020F0502020204030204" pitchFamily="34" charset="0"/>
+            </a:endParaRPr>
+          </a:p>
+        </p:txBody>
+      </p:sp>
+      <p:sp>
+        <p:nvSpPr>
+          <p:cNvPr id="211" name="Data 210">
+            <a:extLst>
+              <a:ext uri="{FF2B5EF4-FFF2-40B4-BE49-F238E27FC236}">
+                <a16:creationId xmlns:a16="http://schemas.microsoft.com/office/drawing/2014/main" id="{65BF7276-E522-DC4F-AA3F-E0734F63AA1D}"/>
+              </a:ext>
+            </a:extLst>
+          </p:cNvPr>
+          <p:cNvSpPr/>
+          <p:nvPr/>
+        </p:nvSpPr>
+        <p:spPr>
+          <a:xfrm>
+            <a:off x="3564030" y="4775200"/>
+            <a:ext cx="1956702" cy="560707"/>
+          </a:xfrm>
+          <a:prstGeom prst="flowChartInputOutput">
+            <a:avLst/>
+          </a:prstGeom>
+          <a:noFill/>
+          <a:ln w="38100">
+            <a:solidFill>
+              <a:schemeClr val="tx1"/>
+            </a:solidFill>
+          </a:ln>
+        </p:spPr>
+        <p:style>
+          <a:lnRef idx="2">
+            <a:schemeClr val="accent1">
+              <a:shade val="50000"/>
+            </a:schemeClr>
+          </a:lnRef>
+          <a:fillRef idx="1">
+            <a:schemeClr val="accent1"/>
+          </a:fillRef>
+          <a:effectRef idx="0">
+            <a:schemeClr val="accent1"/>
+          </a:effectRef>
+          <a:fontRef idx="minor">
+            <a:schemeClr val="lt1"/>
+          </a:fontRef>
+        </p:style>
+        <p:txBody>
+          <a:bodyPr rot="0" spcFirstLastPara="0" vertOverflow="overflow" horzOverflow="overflow" vert="horz" wrap="square" lIns="150146" tIns="75073" rIns="150146" bIns="75073" numCol="1" spcCol="0" rtlCol="0" fromWordArt="0" anchor="ctr" anchorCtr="0" forceAA="0" compatLnSpc="1">
+            <a:prstTxWarp prst="textNoShape">
+              <a:avLst/>
+            </a:prstTxWarp>
+            <a:noAutofit/>
+          </a:bodyPr>
+          <a:lstStyle/>
+          <a:p>
+            <a:pPr algn="ctr"/>
+            <a:r>
+              <a:rPr lang="en-US" sz="1642" dirty="0">
+                <a:solidFill>
+                  <a:schemeClr val="tx1"/>
+                </a:solidFill>
+                <a:latin typeface="Calibri" panose="020F0502020204030204" pitchFamily="34" charset="0"/>
+                <a:cs typeface="Calibri" panose="020F0502020204030204" pitchFamily="34" charset="0"/>
+              </a:rPr>
+              <a:t>Applied</a:t>
+            </a:r>
+          </a:p>
+          <a:p>
+            <a:pPr algn="ctr"/>
+            <a:r>
+              <a:rPr lang="en-US" sz="1642" dirty="0">
+                <a:solidFill>
+                  <a:schemeClr val="tx1"/>
+                </a:solidFill>
+                <a:latin typeface="Calibri" panose="020F0502020204030204" pitchFamily="34" charset="0"/>
+                <a:cs typeface="Calibri" panose="020F0502020204030204" pitchFamily="34" charset="0"/>
+              </a:rPr>
+              <a:t>Operators</a:t>
+            </a:r>
+          </a:p>
+        </p:txBody>
+      </p:sp>
+      <p:cxnSp>
+        <p:nvCxnSpPr>
+          <p:cNvPr id="212" name="Straight Arrow Connector 211">
+            <a:extLst>
+              <a:ext uri="{FF2B5EF4-FFF2-40B4-BE49-F238E27FC236}">
+                <a16:creationId xmlns:a16="http://schemas.microsoft.com/office/drawing/2014/main" id="{838D5900-BE85-434D-A50C-C7B3F06D91DA}"/>
+              </a:ext>
+            </a:extLst>
+          </p:cNvPr>
+          <p:cNvCxnSpPr>
+            <a:cxnSpLocks/>
+            <a:endCxn id="211" idx="2"/>
+          </p:cNvCxnSpPr>
+          <p:nvPr/>
+        </p:nvCxnSpPr>
+        <p:spPr>
+          <a:xfrm>
+            <a:off x="3657600" y="4495800"/>
+            <a:ext cx="102100" cy="559754"/>
           </a:xfrm>
           <a:prstGeom prst="straightConnector1">
             <a:avLst/>
